--- a/Log File AnalysisReporting System_ppt.pptx
+++ b/Log File AnalysisReporting System_ppt.pptx
@@ -5,7 +5,7 @@
     <p:sldMasterId id="2147483648" r:id="rId1"/>
   </p:sldMasterIdLst>
   <p:notesMasterIdLst>
-    <p:notesMasterId r:id="rId17"/>
+    <p:notesMasterId r:id="rId18"/>
   </p:notesMasterIdLst>
   <p:sldIdLst>
     <p:sldId id="256" r:id="rId2"/>
@@ -18,11 +18,12 @@
     <p:sldId id="288" r:id="rId9"/>
     <p:sldId id="290" r:id="rId10"/>
     <p:sldId id="289" r:id="rId11"/>
-    <p:sldId id="291" r:id="rId12"/>
-    <p:sldId id="295" r:id="rId13"/>
-    <p:sldId id="292" r:id="rId14"/>
-    <p:sldId id="293" r:id="rId15"/>
-    <p:sldId id="294" r:id="rId16"/>
+    <p:sldId id="296" r:id="rId12"/>
+    <p:sldId id="291" r:id="rId13"/>
+    <p:sldId id="295" r:id="rId14"/>
+    <p:sldId id="292" r:id="rId15"/>
+    <p:sldId id="293" r:id="rId16"/>
+    <p:sldId id="294" r:id="rId17"/>
   </p:sldIdLst>
   <p:sldSz cx="12192000" cy="6858000"/>
   <p:notesSz cx="6858000" cy="9144000"/>
@@ -136,6 +137,7 @@
             <p14:sldId id="288"/>
             <p14:sldId id="290"/>
             <p14:sldId id="289"/>
+            <p14:sldId id="296"/>
             <p14:sldId id="291"/>
             <p14:sldId id="295"/>
             <p14:sldId id="292"/>
@@ -167,6 +169,151 @@
 </p:presentation>
 </file>
 
+<file path=ppt/changesInfos/changesInfo1.xml><?xml version="1.0" encoding="utf-8"?>
+<pc:chgInfo xmlns:a="http://schemas.openxmlformats.org/drawingml/2006/main" xmlns:r="http://schemas.openxmlformats.org/officeDocument/2006/relationships" xmlns:ac="http://schemas.microsoft.com/office/drawing/2013/main/command" xmlns:pc="http://schemas.microsoft.com/office/powerpoint/2013/main/command">
+  <pc:docChgLst>
+    <pc:chgData name="madhu pothu" userId="68ec6b46ea061ca9" providerId="LiveId" clId="{A54773D2-8EA2-4914-9E3A-2F3E50387578}"/>
+    <pc:docChg chg="undo custSel addSld modSld modSection">
+      <pc:chgData name="madhu pothu" userId="68ec6b46ea061ca9" providerId="LiveId" clId="{A54773D2-8EA2-4914-9E3A-2F3E50387578}" dt="2025-08-03T14:35:47.592" v="43" actId="1036"/>
+      <pc:docMkLst>
+        <pc:docMk/>
+      </pc:docMkLst>
+      <pc:sldChg chg="addSp delSp modSp mod">
+        <pc:chgData name="madhu pothu" userId="68ec6b46ea061ca9" providerId="LiveId" clId="{A54773D2-8EA2-4914-9E3A-2F3E50387578}" dt="2025-08-03T13:33:17.174" v="37" actId="6549"/>
+        <pc:sldMkLst>
+          <pc:docMk/>
+          <pc:sldMk cId="3056595499" sldId="290"/>
+        </pc:sldMkLst>
+        <pc:spChg chg="mod">
+          <ac:chgData name="madhu pothu" userId="68ec6b46ea061ca9" providerId="LiveId" clId="{A54773D2-8EA2-4914-9E3A-2F3E50387578}" dt="2025-08-03T13:33:16.086" v="35" actId="1076"/>
+          <ac:spMkLst>
+            <pc:docMk/>
+            <pc:sldMk cId="3056595499" sldId="290"/>
+            <ac:spMk id="3" creationId="{C5640058-1190-EC81-60EE-A90C505F1C33}"/>
+          </ac:spMkLst>
+        </pc:spChg>
+        <pc:spChg chg="add del mod">
+          <ac:chgData name="madhu pothu" userId="68ec6b46ea061ca9" providerId="LiveId" clId="{A54773D2-8EA2-4914-9E3A-2F3E50387578}" dt="2025-08-03T13:33:17.174" v="37" actId="6549"/>
+          <ac:spMkLst>
+            <pc:docMk/>
+            <pc:sldMk cId="3056595499" sldId="290"/>
+            <ac:spMk id="5" creationId="{5F0260C6-24B2-E895-CB37-91CCE9D7857E}"/>
+          </ac:spMkLst>
+        </pc:spChg>
+      </pc:sldChg>
+      <pc:sldChg chg="modSp mod">
+        <pc:chgData name="madhu pothu" userId="68ec6b46ea061ca9" providerId="LiveId" clId="{A54773D2-8EA2-4914-9E3A-2F3E50387578}" dt="2025-08-03T11:59:29.705" v="22" actId="1076"/>
+        <pc:sldMkLst>
+          <pc:docMk/>
+          <pc:sldMk cId="287302129" sldId="291"/>
+        </pc:sldMkLst>
+        <pc:spChg chg="mod">
+          <ac:chgData name="madhu pothu" userId="68ec6b46ea061ca9" providerId="LiveId" clId="{A54773D2-8EA2-4914-9E3A-2F3E50387578}" dt="2025-08-03T11:59:19.808" v="20" actId="1076"/>
+          <ac:spMkLst>
+            <pc:docMk/>
+            <pc:sldMk cId="287302129" sldId="291"/>
+            <ac:spMk id="8" creationId="{D6E0884E-23F8-A8F7-265F-C34B85B71C2C}"/>
+          </ac:spMkLst>
+        </pc:spChg>
+        <pc:picChg chg="mod">
+          <ac:chgData name="madhu pothu" userId="68ec6b46ea061ca9" providerId="LiveId" clId="{A54773D2-8EA2-4914-9E3A-2F3E50387578}" dt="2025-08-03T11:59:29.705" v="22" actId="1076"/>
+          <ac:picMkLst>
+            <pc:docMk/>
+            <pc:sldMk cId="287302129" sldId="291"/>
+            <ac:picMk id="4" creationId="{7785871A-0F22-48BD-A016-0CFAD9180241}"/>
+          </ac:picMkLst>
+        </pc:picChg>
+        <pc:picChg chg="mod">
+          <ac:chgData name="madhu pothu" userId="68ec6b46ea061ca9" providerId="LiveId" clId="{A54773D2-8EA2-4914-9E3A-2F3E50387578}" dt="2025-08-03T11:59:26.885" v="21" actId="1076"/>
+          <ac:picMkLst>
+            <pc:docMk/>
+            <pc:sldMk cId="287302129" sldId="291"/>
+            <ac:picMk id="5" creationId="{62CF71E7-E468-61D7-C5FB-DF0443593D96}"/>
+          </ac:picMkLst>
+        </pc:picChg>
+      </pc:sldChg>
+      <pc:sldChg chg="modSp mod">
+        <pc:chgData name="madhu pothu" userId="68ec6b46ea061ca9" providerId="LiveId" clId="{A54773D2-8EA2-4914-9E3A-2F3E50387578}" dt="2025-08-03T14:02:53.149" v="42" actId="2710"/>
+        <pc:sldMkLst>
+          <pc:docMk/>
+          <pc:sldMk cId="3136490425" sldId="292"/>
+        </pc:sldMkLst>
+        <pc:spChg chg="mod">
+          <ac:chgData name="madhu pothu" userId="68ec6b46ea061ca9" providerId="LiveId" clId="{A54773D2-8EA2-4914-9E3A-2F3E50387578}" dt="2025-08-03T14:02:53.149" v="42" actId="2710"/>
+          <ac:spMkLst>
+            <pc:docMk/>
+            <pc:sldMk cId="3136490425" sldId="292"/>
+            <ac:spMk id="5" creationId="{9034E943-EA06-7999-4521-8DB11CCC709D}"/>
+          </ac:spMkLst>
+        </pc:spChg>
+        <pc:spChg chg="mod">
+          <ac:chgData name="madhu pothu" userId="68ec6b46ea061ca9" providerId="LiveId" clId="{A54773D2-8EA2-4914-9E3A-2F3E50387578}" dt="2025-08-03T14:02:32.623" v="40" actId="1076"/>
+          <ac:spMkLst>
+            <pc:docMk/>
+            <pc:sldMk cId="3136490425" sldId="292"/>
+            <ac:spMk id="6" creationId="{ECCBDB1C-F70C-EF33-B876-07EAF586B5F6}"/>
+          </ac:spMkLst>
+        </pc:spChg>
+        <pc:spChg chg="mod">
+          <ac:chgData name="madhu pothu" userId="68ec6b46ea061ca9" providerId="LiveId" clId="{A54773D2-8EA2-4914-9E3A-2F3E50387578}" dt="2025-08-03T14:02:23.430" v="38" actId="1076"/>
+          <ac:spMkLst>
+            <pc:docMk/>
+            <pc:sldMk cId="3136490425" sldId="292"/>
+            <ac:spMk id="8" creationId="{DF920291-6D20-0BAA-C777-9F3E117B828D}"/>
+          </ac:spMkLst>
+        </pc:spChg>
+      </pc:sldChg>
+      <pc:sldChg chg="modSp mod">
+        <pc:chgData name="madhu pothu" userId="68ec6b46ea061ca9" providerId="LiveId" clId="{A54773D2-8EA2-4914-9E3A-2F3E50387578}" dt="2025-08-03T11:59:54.206" v="25" actId="1076"/>
+        <pc:sldMkLst>
+          <pc:docMk/>
+          <pc:sldMk cId="2447436332" sldId="295"/>
+        </pc:sldMkLst>
+        <pc:spChg chg="mod">
+          <ac:chgData name="madhu pothu" userId="68ec6b46ea061ca9" providerId="LiveId" clId="{A54773D2-8EA2-4914-9E3A-2F3E50387578}" dt="2025-08-03T11:59:54.206" v="25" actId="1076"/>
+          <ac:spMkLst>
+            <pc:docMk/>
+            <pc:sldMk cId="2447436332" sldId="295"/>
+            <ac:spMk id="6" creationId="{5F4DD438-F071-B879-0DED-19454058C5D5}"/>
+          </ac:spMkLst>
+        </pc:spChg>
+      </pc:sldChg>
+      <pc:sldChg chg="addSp modSp new mod">
+        <pc:chgData name="madhu pothu" userId="68ec6b46ea061ca9" providerId="LiveId" clId="{A54773D2-8EA2-4914-9E3A-2F3E50387578}" dt="2025-08-03T14:35:47.592" v="43" actId="1036"/>
+        <pc:sldMkLst>
+          <pc:docMk/>
+          <pc:sldMk cId="2170592631" sldId="296"/>
+        </pc:sldMkLst>
+        <pc:spChg chg="mod">
+          <ac:chgData name="madhu pothu" userId="68ec6b46ea061ca9" providerId="LiveId" clId="{A54773D2-8EA2-4914-9E3A-2F3E50387578}" dt="2025-08-03T11:23:15.321" v="1"/>
+          <ac:spMkLst>
+            <pc:docMk/>
+            <pc:sldMk cId="2170592631" sldId="296"/>
+            <ac:spMk id="2" creationId="{2E1033AD-6216-1F2A-3513-7AB395F35ACA}"/>
+          </ac:spMkLst>
+        </pc:spChg>
+        <pc:spChg chg="add mod">
+          <ac:chgData name="madhu pothu" userId="68ec6b46ea061ca9" providerId="LiveId" clId="{A54773D2-8EA2-4914-9E3A-2F3E50387578}" dt="2025-08-03T11:56:35.868" v="7" actId="2710"/>
+          <ac:spMkLst>
+            <pc:docMk/>
+            <pc:sldMk cId="2170592631" sldId="296"/>
+            <ac:spMk id="4" creationId="{664BAC99-5585-B8B9-E9E8-C9E7DB104CFD}"/>
+          </ac:spMkLst>
+        </pc:spChg>
+        <pc:picChg chg="add mod modCrop">
+          <ac:chgData name="madhu pothu" userId="68ec6b46ea061ca9" providerId="LiveId" clId="{A54773D2-8EA2-4914-9E3A-2F3E50387578}" dt="2025-08-03T14:35:47.592" v="43" actId="1036"/>
+          <ac:picMkLst>
+            <pc:docMk/>
+            <pc:sldMk cId="2170592631" sldId="296"/>
+            <ac:picMk id="6" creationId="{99A0F66E-9CF6-AD97-693C-A07329D2F7D6}"/>
+          </ac:picMkLst>
+        </pc:picChg>
+      </pc:sldChg>
+    </pc:docChg>
+  </pc:docChgLst>
+</pc:chgInfo>
+</file>
+
 <file path=ppt/notesMasters/notesMaster1.xml><?xml version="1.0" encoding="utf-8"?>
 <p:notesMaster xmlns:a="http://schemas.openxmlformats.org/drawingml/2006/main" xmlns:r="http://schemas.openxmlformats.org/officeDocument/2006/relationships" xmlns:p="http://schemas.openxmlformats.org/presentationml/2006/main">
   <p:cSld>
@@ -249,7 +396,7 @@
           <a:p>
             <a:fld id="{E4C3FCC2-4E7A-4671-AA79-177CB194E449}" type="datetimeFigureOut">
               <a:rPr lang="en-US" smtClean="0"/>
-              <a:t>8/2/2025</a:t>
+              <a:t>8/3/2025</a:t>
             </a:fld>
             <a:endParaRPr lang="en-US"/>
           </a:p>
@@ -2222,7 +2369,7 @@
           <a:p>
             <a:fld id="{4744E560-77BF-4D1A-B6E7-CD55CE12B1B8}" type="datetimeFigureOut">
               <a:rPr lang="en-US" smtClean="0"/>
-              <a:t>8/2/2025</a:t>
+              <a:t>8/3/2025</a:t>
             </a:fld>
             <a:endParaRPr lang="en-US"/>
           </a:p>
@@ -3556,6 +3703,176 @@
           <p:cNvPr id="2" name="Title 1">
             <a:extLst>
               <a:ext uri="{FF2B5EF4-FFF2-40B4-BE49-F238E27FC236}">
+                <a16:creationId xmlns:a16="http://schemas.microsoft.com/office/drawing/2014/main" id="{2E1033AD-6216-1F2A-3513-7AB395F35ACA}"/>
+              </a:ext>
+            </a:extLst>
+          </p:cNvPr>
+          <p:cNvSpPr>
+            <a:spLocks noGrp="1"/>
+          </p:cNvSpPr>
+          <p:nvPr>
+            <p:ph type="title"/>
+          </p:nvPr>
+        </p:nvSpPr>
+        <p:spPr/>
+        <p:txBody>
+          <a:bodyPr/>
+          <a:lstStyle/>
+          <a:p>
+            <a:r>
+              <a:rPr lang="en-IN" b="1" dirty="0">
+                <a:latin typeface="Times New Roman" panose="02020603050405020304" pitchFamily="18" charset="0"/>
+                <a:cs typeface="Times New Roman" panose="02020603050405020304" pitchFamily="18" charset="0"/>
+              </a:rPr>
+              <a:t>Results &amp; Demonstrations</a:t>
+            </a:r>
+            <a:endParaRPr lang="en-IN" dirty="0"/>
+          </a:p>
+        </p:txBody>
+      </p:sp>
+      <p:sp>
+        <p:nvSpPr>
+          <p:cNvPr id="4" name="TextBox 3">
+            <a:extLst>
+              <a:ext uri="{FF2B5EF4-FFF2-40B4-BE49-F238E27FC236}">
+                <a16:creationId xmlns:a16="http://schemas.microsoft.com/office/drawing/2014/main" id="{664BAC99-5585-B8B9-E9E8-C9E7DB104CFD}"/>
+              </a:ext>
+            </a:extLst>
+          </p:cNvPr>
+          <p:cNvSpPr txBox="1"/>
+          <p:nvPr/>
+        </p:nvSpPr>
+        <p:spPr>
+          <a:xfrm>
+            <a:off x="711200" y="1397675"/>
+            <a:ext cx="10876366" cy="1704569"/>
+          </a:xfrm>
+          <a:prstGeom prst="rect">
+            <a:avLst/>
+          </a:prstGeom>
+          <a:noFill/>
+        </p:spPr>
+        <p:txBody>
+          <a:bodyPr wrap="square">
+            <a:spAutoFit/>
+          </a:bodyPr>
+          <a:lstStyle/>
+          <a:p>
+            <a:pPr marL="285750" indent="-285750">
+              <a:lnSpc>
+                <a:spcPct val="150000"/>
+              </a:lnSpc>
+              <a:buFont typeface="Arial" panose="020B0604020202020204" pitchFamily="34" charset="0"/>
+              <a:buChar char="•"/>
+            </a:pPr>
+            <a:r>
+              <a:rPr lang="en-US" dirty="0">
+                <a:latin typeface="Times New Roman" panose="02020603050405020304" pitchFamily="18" charset="0"/>
+                <a:cs typeface="Times New Roman" panose="02020603050405020304" pitchFamily="18" charset="0"/>
+              </a:rPr>
+              <a:t>The log processor efficiently filtered out invalid data and avoided corrupting the database with incomplete information.</a:t>
+            </a:r>
+          </a:p>
+          <a:p>
+            <a:pPr marL="285750" indent="-285750">
+              <a:lnSpc>
+                <a:spcPct val="150000"/>
+              </a:lnSpc>
+              <a:buFont typeface="Arial" panose="020B0604020202020204" pitchFamily="34" charset="0"/>
+              <a:buChar char="•"/>
+            </a:pPr>
+            <a:r>
+              <a:rPr lang="en-US" dirty="0">
+                <a:latin typeface="Times New Roman" panose="02020603050405020304" pitchFamily="18" charset="0"/>
+                <a:cs typeface="Times New Roman" panose="02020603050405020304" pitchFamily="18" charset="0"/>
+              </a:rPr>
+              <a:t>Highlights the robust error-handling mechanism in the implementation.</a:t>
+            </a:r>
+          </a:p>
+          <a:p>
+            <a:pPr marL="285750" indent="-285750">
+              <a:lnSpc>
+                <a:spcPct val="150000"/>
+              </a:lnSpc>
+              <a:buFont typeface="Arial" panose="020B0604020202020204" pitchFamily="34" charset="0"/>
+              <a:buChar char="•"/>
+            </a:pPr>
+            <a:r>
+              <a:rPr lang="en-US" dirty="0">
+                <a:latin typeface="Times New Roman" panose="02020603050405020304" pitchFamily="18" charset="0"/>
+                <a:cs typeface="Times New Roman" panose="02020603050405020304" pitchFamily="18" charset="0"/>
+              </a:rPr>
+              <a:t>Emphasizes the importance of clean and well-formatted logs for successful parsing and storage.</a:t>
+            </a:r>
+          </a:p>
+        </p:txBody>
+      </p:sp>
+      <p:pic>
+        <p:nvPicPr>
+          <p:cNvPr id="6" name="Picture 5">
+            <a:extLst>
+              <a:ext uri="{FF2B5EF4-FFF2-40B4-BE49-F238E27FC236}">
+                <a16:creationId xmlns:a16="http://schemas.microsoft.com/office/drawing/2014/main" id="{99A0F66E-9CF6-AD97-693C-A07329D2F7D6}"/>
+              </a:ext>
+            </a:extLst>
+          </p:cNvPr>
+          <p:cNvPicPr>
+            <a:picLocks noChangeAspect="1"/>
+          </p:cNvPicPr>
+          <p:nvPr/>
+        </p:nvPicPr>
+        <p:blipFill>
+          <a:blip r:embed="rId2"/>
+          <a:srcRect l="20357" t="63494" r="4958" b="3622"/>
+          <a:stretch>
+            <a:fillRect/>
+          </a:stretch>
+        </p:blipFill>
+        <p:spPr>
+          <a:xfrm>
+            <a:off x="1059543" y="3443990"/>
+            <a:ext cx="10072914" cy="2761141"/>
+          </a:xfrm>
+          <a:prstGeom prst="rect">
+            <a:avLst/>
+          </a:prstGeom>
+        </p:spPr>
+      </p:pic>
+    </p:spTree>
+    <p:extLst>
+      <p:ext uri="{BB962C8B-B14F-4D97-AF65-F5344CB8AC3E}">
+        <p14:creationId xmlns:p14="http://schemas.microsoft.com/office/powerpoint/2010/main" val="2170592631"/>
+      </p:ext>
+    </p:extLst>
+  </p:cSld>
+  <p:clrMapOvr>
+    <a:masterClrMapping/>
+  </p:clrMapOvr>
+</p:sld>
+</file>
+
+<file path=ppt/slides/slide12.xml><?xml version="1.0" encoding="utf-8"?>
+<p:sld xmlns:a="http://schemas.openxmlformats.org/drawingml/2006/main" xmlns:r="http://schemas.openxmlformats.org/officeDocument/2006/relationships" xmlns:p="http://schemas.openxmlformats.org/presentationml/2006/main">
+  <p:cSld>
+    <p:spTree>
+      <p:nvGrpSpPr>
+        <p:cNvPr id="1" name=""/>
+        <p:cNvGrpSpPr/>
+        <p:nvPr/>
+      </p:nvGrpSpPr>
+      <p:grpSpPr>
+        <a:xfrm>
+          <a:off x="0" y="0"/>
+          <a:ext cx="0" cy="0"/>
+          <a:chOff x="0" y="0"/>
+          <a:chExt cx="0" cy="0"/>
+        </a:xfrm>
+      </p:grpSpPr>
+      <p:sp>
+        <p:nvSpPr>
+          <p:cNvPr id="2" name="Title 1">
+            <a:extLst>
+              <a:ext uri="{FF2B5EF4-FFF2-40B4-BE49-F238E27FC236}">
                 <a16:creationId xmlns:a16="http://schemas.microsoft.com/office/drawing/2014/main" id="{FA4E5255-9572-E9D6-13FD-FF0095145D5C}"/>
               </a:ext>
             </a:extLst>
@@ -3684,7 +4001,7 @@
         </p:blipFill>
         <p:spPr bwMode="auto">
           <a:xfrm>
-            <a:off x="5523063" y="1936354"/>
+            <a:off x="5393378" y="1936353"/>
             <a:ext cx="6323873" cy="3233981"/>
           </a:xfrm>
           <a:prstGeom prst="rect">
@@ -3729,7 +4046,7 @@
         </p:blipFill>
         <p:spPr bwMode="auto">
           <a:xfrm>
-            <a:off x="604434" y="1936354"/>
+            <a:off x="474749" y="1936353"/>
             <a:ext cx="4707694" cy="3233981"/>
           </a:xfrm>
           <a:prstGeom prst="rect">
@@ -3759,7 +4076,7 @@
         </p:nvSpPr>
         <p:spPr>
           <a:xfrm>
-            <a:off x="6488244" y="5571350"/>
+            <a:off x="7257501" y="5621018"/>
             <a:ext cx="6093500" cy="369332"/>
           </a:xfrm>
           <a:prstGeom prst="rect">
@@ -3878,7 +4195,7 @@
 </p:sld>
 </file>
 
-<file path=ppt/slides/slide12.xml><?xml version="1.0" encoding="utf-8"?>
+<file path=ppt/slides/slide13.xml><?xml version="1.0" encoding="utf-8"?>
 <p:sld xmlns:a="http://schemas.openxmlformats.org/drawingml/2006/main" xmlns:r="http://schemas.openxmlformats.org/officeDocument/2006/relationships" xmlns:p="http://schemas.openxmlformats.org/presentationml/2006/main">
   <p:cSld>
     <p:spTree>
@@ -4024,7 +4341,7 @@
         </p:nvSpPr>
         <p:spPr>
           <a:xfrm>
-            <a:off x="6293372" y="5390073"/>
+            <a:off x="6732266" y="5390073"/>
             <a:ext cx="6093500" cy="369332"/>
           </a:xfrm>
           <a:prstGeom prst="rect">
@@ -4090,352 +4407,6 @@
     <p:extLst>
       <p:ext uri="{BB962C8B-B14F-4D97-AF65-F5344CB8AC3E}">
         <p14:creationId xmlns:p14="http://schemas.microsoft.com/office/powerpoint/2010/main" val="2447436332"/>
-      </p:ext>
-    </p:extLst>
-  </p:cSld>
-  <p:clrMapOvr>
-    <a:masterClrMapping/>
-  </p:clrMapOvr>
-</p:sld>
-</file>
-
-<file path=ppt/slides/slide13.xml><?xml version="1.0" encoding="utf-8"?>
-<p:sld xmlns:a="http://schemas.openxmlformats.org/drawingml/2006/main" xmlns:r="http://schemas.openxmlformats.org/officeDocument/2006/relationships" xmlns:p="http://schemas.openxmlformats.org/presentationml/2006/main">
-  <p:cSld>
-    <p:spTree>
-      <p:nvGrpSpPr>
-        <p:cNvPr id="1" name=""/>
-        <p:cNvGrpSpPr/>
-        <p:nvPr/>
-      </p:nvGrpSpPr>
-      <p:grpSpPr>
-        <a:xfrm>
-          <a:off x="0" y="0"/>
-          <a:ext cx="0" cy="0"/>
-          <a:chOff x="0" y="0"/>
-          <a:chExt cx="0" cy="0"/>
-        </a:xfrm>
-      </p:grpSpPr>
-      <p:sp>
-        <p:nvSpPr>
-          <p:cNvPr id="2" name="Title 1">
-            <a:extLst>
-              <a:ext uri="{FF2B5EF4-FFF2-40B4-BE49-F238E27FC236}">
-                <a16:creationId xmlns:a16="http://schemas.microsoft.com/office/drawing/2014/main" id="{061D55AB-EC7D-A002-F680-0FCFD3148374}"/>
-              </a:ext>
-            </a:extLst>
-          </p:cNvPr>
-          <p:cNvSpPr>
-            <a:spLocks noGrp="1"/>
-          </p:cNvSpPr>
-          <p:nvPr>
-            <p:ph type="title"/>
-          </p:nvPr>
-        </p:nvSpPr>
-        <p:spPr/>
-        <p:txBody>
-          <a:bodyPr>
-            <a:normAutofit/>
-          </a:bodyPr>
-          <a:lstStyle/>
-          <a:p>
-            <a:r>
-              <a:rPr lang="en-US" b="1" dirty="0">
-                <a:latin typeface="Times New Roman" panose="02020603050405020304" pitchFamily="18" charset="0"/>
-                <a:cs typeface="Times New Roman" panose="02020603050405020304" pitchFamily="18" charset="0"/>
-              </a:rPr>
-              <a:t>Conclusion &amp; Achievements</a:t>
-            </a:r>
-            <a:endParaRPr lang="en-IN" b="1" dirty="0">
-              <a:latin typeface="Times New Roman" panose="02020603050405020304" pitchFamily="18" charset="0"/>
-              <a:cs typeface="Times New Roman" panose="02020603050405020304" pitchFamily="18" charset="0"/>
-            </a:endParaRPr>
-          </a:p>
-        </p:txBody>
-      </p:sp>
-      <p:sp>
-        <p:nvSpPr>
-          <p:cNvPr id="3" name="TextBox 2">
-            <a:extLst>
-              <a:ext uri="{FF2B5EF4-FFF2-40B4-BE49-F238E27FC236}">
-                <a16:creationId xmlns:a16="http://schemas.microsoft.com/office/drawing/2014/main" id="{31902000-5FA3-8F66-E689-5586FC59FB1F}"/>
-              </a:ext>
-            </a:extLst>
-          </p:cNvPr>
-          <p:cNvSpPr txBox="1"/>
-          <p:nvPr/>
-        </p:nvSpPr>
-        <p:spPr>
-          <a:xfrm>
-            <a:off x="1124262" y="1798820"/>
-            <a:ext cx="9458794" cy="3987383"/>
-          </a:xfrm>
-          <a:prstGeom prst="rect">
-            <a:avLst/>
-          </a:prstGeom>
-        </p:spPr>
-        <p:txBody>
-          <a:bodyPr vert="horz" wrap="square" lIns="91440" tIns="45720" rIns="91440" bIns="45720" rtlCol="0">
-            <a:noAutofit/>
-          </a:bodyPr>
-          <a:lstStyle/>
-          <a:p>
-            <a:pPr marL="0" indent="0" algn="l">
-              <a:lnSpc>
-                <a:spcPts val="1800"/>
-              </a:lnSpc>
-              <a:spcAft>
-                <a:spcPts val="600"/>
-              </a:spcAft>
-              <a:buNone/>
-            </a:pPr>
-            <a:endParaRPr lang="en-IN" dirty="0">
-              <a:solidFill>
-                <a:prstClr val="black">
-                  <a:lumMod val="75000"/>
-                  <a:lumOff val="25000"/>
-                </a:prstClr>
-              </a:solidFill>
-              <a:latin typeface="Times New Roman" panose="02020603050405020304" pitchFamily="18" charset="0"/>
-              <a:cs typeface="Times New Roman" panose="02020603050405020304" pitchFamily="18" charset="0"/>
-            </a:endParaRPr>
-          </a:p>
-        </p:txBody>
-      </p:sp>
-      <p:sp>
-        <p:nvSpPr>
-          <p:cNvPr id="5" name="TextBox 4">
-            <a:extLst>
-              <a:ext uri="{FF2B5EF4-FFF2-40B4-BE49-F238E27FC236}">
-                <a16:creationId xmlns:a16="http://schemas.microsoft.com/office/drawing/2014/main" id="{9034E943-EA06-7999-4521-8DB11CCC709D}"/>
-              </a:ext>
-            </a:extLst>
-          </p:cNvPr>
-          <p:cNvSpPr txBox="1"/>
-          <p:nvPr/>
-        </p:nvSpPr>
-        <p:spPr>
-          <a:xfrm>
-            <a:off x="739344" y="1565914"/>
-            <a:ext cx="10848221" cy="923330"/>
-          </a:xfrm>
-          <a:prstGeom prst="rect">
-            <a:avLst/>
-          </a:prstGeom>
-          <a:noFill/>
-        </p:spPr>
-        <p:txBody>
-          <a:bodyPr wrap="square">
-            <a:spAutoFit/>
-          </a:bodyPr>
-          <a:lstStyle/>
-          <a:p>
-            <a:pPr algn="just"/>
-            <a:r>
-              <a:rPr lang="en-IN" dirty="0">
-                <a:latin typeface="Times New Roman" panose="02020603050405020304" pitchFamily="18" charset="0"/>
-                <a:cs typeface="Times New Roman" panose="02020603050405020304" pitchFamily="18" charset="0"/>
-              </a:rPr>
-              <a:t>The Log File Analysis &amp; Reporting System has been successfully developed and implemented, achieving all primary objectives outlined in the project specification. The system demonstrates a comprehensive understanding of data engineering principles, database design, and software architecture.</a:t>
-            </a:r>
-          </a:p>
-        </p:txBody>
-      </p:sp>
-      <p:sp>
-        <p:nvSpPr>
-          <p:cNvPr id="6" name="TextBox 5">
-            <a:extLst>
-              <a:ext uri="{FF2B5EF4-FFF2-40B4-BE49-F238E27FC236}">
-                <a16:creationId xmlns:a16="http://schemas.microsoft.com/office/drawing/2014/main" id="{ECCBDB1C-F70C-EF33-B876-07EAF586B5F6}"/>
-              </a:ext>
-            </a:extLst>
-          </p:cNvPr>
-          <p:cNvSpPr txBox="1"/>
-          <p:nvPr/>
-        </p:nvSpPr>
-        <p:spPr>
-          <a:xfrm>
-            <a:off x="739345" y="3689763"/>
-            <a:ext cx="6093500" cy="2585323"/>
-          </a:xfrm>
-          <a:prstGeom prst="rect">
-            <a:avLst/>
-          </a:prstGeom>
-          <a:noFill/>
-        </p:spPr>
-        <p:txBody>
-          <a:bodyPr wrap="square">
-            <a:spAutoFit/>
-          </a:bodyPr>
-          <a:lstStyle/>
-          <a:p>
-            <a:pPr marL="285750" indent="-285750">
-              <a:buFont typeface="Arial" panose="020B0604020202020204" pitchFamily="34" charset="0"/>
-              <a:buChar char="•"/>
-            </a:pPr>
-            <a:r>
-              <a:rPr lang="en-IN" sz="1800" dirty="0">
-                <a:effectLst/>
-                <a:latin typeface="Times New Roman" panose="02020603050405020304" pitchFamily="18" charset="0"/>
-                <a:ea typeface="Calibri" panose="020F0502020204030204" pitchFamily="34" charset="0"/>
-                <a:cs typeface="Times New Roman" panose="02020603050405020304" pitchFamily="18" charset="0"/>
-              </a:rPr>
-              <a:t>Robust Parsing Engine</a:t>
-            </a:r>
-          </a:p>
-          <a:p>
-            <a:pPr marL="285750" indent="-285750">
-              <a:buFont typeface="Arial" panose="020B0604020202020204" pitchFamily="34" charset="0"/>
-              <a:buChar char="•"/>
-            </a:pPr>
-            <a:endParaRPr lang="en-IN" dirty="0">
-              <a:latin typeface="Times New Roman" panose="02020603050405020304" pitchFamily="18" charset="0"/>
-              <a:ea typeface="Calibri" panose="020F0502020204030204" pitchFamily="34" charset="0"/>
-              <a:cs typeface="Times New Roman" panose="02020603050405020304" pitchFamily="18" charset="0"/>
-            </a:endParaRPr>
-          </a:p>
-          <a:p>
-            <a:pPr marL="285750" indent="-285750">
-              <a:buFont typeface="Arial" panose="020B0604020202020204" pitchFamily="34" charset="0"/>
-              <a:buChar char="•"/>
-            </a:pPr>
-            <a:r>
-              <a:rPr lang="en-IN" dirty="0">
-                <a:latin typeface="Times New Roman" panose="02020603050405020304" pitchFamily="18" charset="0"/>
-                <a:cs typeface="Times New Roman" panose="02020603050405020304" pitchFamily="18" charset="0"/>
-              </a:rPr>
-              <a:t>Optimized Database Design</a:t>
-            </a:r>
-            <a:br>
-              <a:rPr lang="en-IN" dirty="0">
-                <a:latin typeface="Times New Roman" panose="02020603050405020304" pitchFamily="18" charset="0"/>
-                <a:cs typeface="Times New Roman" panose="02020603050405020304" pitchFamily="18" charset="0"/>
-              </a:rPr>
-            </a:br>
-            <a:endParaRPr lang="en-IN" dirty="0">
-              <a:latin typeface="Times New Roman" panose="02020603050405020304" pitchFamily="18" charset="0"/>
-              <a:cs typeface="Times New Roman" panose="02020603050405020304" pitchFamily="18" charset="0"/>
-            </a:endParaRPr>
-          </a:p>
-          <a:p>
-            <a:pPr marL="285750" indent="-285750">
-              <a:buFont typeface="Arial" panose="020B0604020202020204" pitchFamily="34" charset="0"/>
-              <a:buChar char="•"/>
-            </a:pPr>
-            <a:r>
-              <a:rPr lang="en-IN" dirty="0">
-                <a:latin typeface="Times New Roman" panose="02020603050405020304" pitchFamily="18" charset="0"/>
-                <a:cs typeface="Times New Roman" panose="02020603050405020304" pitchFamily="18" charset="0"/>
-              </a:rPr>
-              <a:t>Performance Optimization</a:t>
-            </a:r>
-          </a:p>
-          <a:p>
-            <a:pPr marL="285750" indent="-285750">
-              <a:buFont typeface="Arial" panose="020B0604020202020204" pitchFamily="34" charset="0"/>
-              <a:buChar char="•"/>
-            </a:pPr>
-            <a:endParaRPr lang="en-IN" dirty="0">
-              <a:latin typeface="Times New Roman" panose="02020603050405020304" pitchFamily="18" charset="0"/>
-              <a:cs typeface="Times New Roman" panose="02020603050405020304" pitchFamily="18" charset="0"/>
-            </a:endParaRPr>
-          </a:p>
-          <a:p>
-            <a:pPr marL="285750" indent="-285750">
-              <a:buFont typeface="Arial" panose="020B0604020202020204" pitchFamily="34" charset="0"/>
-              <a:buChar char="•"/>
-            </a:pPr>
-            <a:r>
-              <a:rPr lang="en-IN" dirty="0">
-                <a:latin typeface="Times New Roman" panose="02020603050405020304" pitchFamily="18" charset="0"/>
-                <a:cs typeface="Times New Roman" panose="02020603050405020304" pitchFamily="18" charset="0"/>
-              </a:rPr>
-              <a:t>Data Integrity</a:t>
-            </a:r>
-          </a:p>
-          <a:p>
-            <a:pPr marL="285750" indent="-285750">
-              <a:buFont typeface="Arial" panose="020B0604020202020204" pitchFamily="34" charset="0"/>
-              <a:buChar char="•"/>
-            </a:pPr>
-            <a:endParaRPr lang="en-IN" dirty="0">
-              <a:latin typeface="Times New Roman" panose="02020603050405020304" pitchFamily="18" charset="0"/>
-              <a:cs typeface="Times New Roman" panose="02020603050405020304" pitchFamily="18" charset="0"/>
-            </a:endParaRPr>
-          </a:p>
-          <a:p>
-            <a:pPr marL="285750" indent="-285750">
-              <a:buFont typeface="Arial" panose="020B0604020202020204" pitchFamily="34" charset="0"/>
-              <a:buChar char="•"/>
-            </a:pPr>
-            <a:r>
-              <a:rPr lang="en-IN" dirty="0">
-                <a:latin typeface="Times New Roman" panose="02020603050405020304" pitchFamily="18" charset="0"/>
-                <a:cs typeface="Times New Roman" panose="02020603050405020304" pitchFamily="18" charset="0"/>
-              </a:rPr>
-              <a:t>Scalability</a:t>
-            </a:r>
-          </a:p>
-        </p:txBody>
-      </p:sp>
-      <p:sp>
-        <p:nvSpPr>
-          <p:cNvPr id="8" name="TextBox 7">
-            <a:extLst>
-              <a:ext uri="{FF2B5EF4-FFF2-40B4-BE49-F238E27FC236}">
-                <a16:creationId xmlns:a16="http://schemas.microsoft.com/office/drawing/2014/main" id="{DF920291-6D20-0BAA-C777-9F3E117B828D}"/>
-              </a:ext>
-            </a:extLst>
-          </p:cNvPr>
-          <p:cNvSpPr txBox="1"/>
-          <p:nvPr/>
-        </p:nvSpPr>
-        <p:spPr>
-          <a:xfrm>
-            <a:off x="739344" y="2972895"/>
-            <a:ext cx="6093500" cy="390684"/>
-          </a:xfrm>
-          <a:prstGeom prst="rect">
-            <a:avLst/>
-          </a:prstGeom>
-          <a:noFill/>
-        </p:spPr>
-        <p:txBody>
-          <a:bodyPr wrap="square">
-            <a:spAutoFit/>
-          </a:bodyPr>
-          <a:lstStyle/>
-          <a:p>
-            <a:pPr marL="0" marR="0">
-              <a:lnSpc>
-                <a:spcPct val="115000"/>
-              </a:lnSpc>
-              <a:spcAft>
-                <a:spcPts val="800"/>
-              </a:spcAft>
-            </a:pPr>
-            <a:r>
-              <a:rPr lang="en-IN" sz="1800" b="1" kern="100" dirty="0">
-                <a:effectLst/>
-                <a:latin typeface="Times New Roman" panose="02020603050405020304" pitchFamily="18" charset="0"/>
-                <a:ea typeface="Calibri" panose="020F0502020204030204" pitchFamily="34" charset="0"/>
-                <a:cs typeface="Times New Roman" panose="02020603050405020304" pitchFamily="18" charset="0"/>
-              </a:rPr>
-              <a:t>Key Achievements:</a:t>
-            </a:r>
-            <a:endParaRPr lang="en-IN" sz="1800" kern="100" dirty="0">
-              <a:effectLst/>
-              <a:latin typeface="Calibri" panose="020F0502020204030204" pitchFamily="34" charset="0"/>
-              <a:ea typeface="Calibri" panose="020F0502020204030204" pitchFamily="34" charset="0"/>
-              <a:cs typeface="Times New Roman" panose="02020603050405020304" pitchFamily="18" charset="0"/>
-            </a:endParaRPr>
-          </a:p>
-        </p:txBody>
-      </p:sp>
-    </p:spTree>
-    <p:extLst>
-      <p:ext uri="{BB962C8B-B14F-4D97-AF65-F5344CB8AC3E}">
-        <p14:creationId xmlns:p14="http://schemas.microsoft.com/office/powerpoint/2010/main" val="3136490425"/>
       </p:ext>
     </p:extLst>
   </p:cSld>
@@ -4467,6 +4438,352 @@
           <p:cNvPr id="2" name="Title 1">
             <a:extLst>
               <a:ext uri="{FF2B5EF4-FFF2-40B4-BE49-F238E27FC236}">
+                <a16:creationId xmlns:a16="http://schemas.microsoft.com/office/drawing/2014/main" id="{061D55AB-EC7D-A002-F680-0FCFD3148374}"/>
+              </a:ext>
+            </a:extLst>
+          </p:cNvPr>
+          <p:cNvSpPr>
+            <a:spLocks noGrp="1"/>
+          </p:cNvSpPr>
+          <p:nvPr>
+            <p:ph type="title"/>
+          </p:nvPr>
+        </p:nvSpPr>
+        <p:spPr/>
+        <p:txBody>
+          <a:bodyPr>
+            <a:normAutofit/>
+          </a:bodyPr>
+          <a:lstStyle/>
+          <a:p>
+            <a:r>
+              <a:rPr lang="en-US" b="1" dirty="0">
+                <a:latin typeface="Times New Roman" panose="02020603050405020304" pitchFamily="18" charset="0"/>
+                <a:cs typeface="Times New Roman" panose="02020603050405020304" pitchFamily="18" charset="0"/>
+              </a:rPr>
+              <a:t>Conclusion &amp; Achievements</a:t>
+            </a:r>
+            <a:endParaRPr lang="en-IN" b="1" dirty="0">
+              <a:latin typeface="Times New Roman" panose="02020603050405020304" pitchFamily="18" charset="0"/>
+              <a:cs typeface="Times New Roman" panose="02020603050405020304" pitchFamily="18" charset="0"/>
+            </a:endParaRPr>
+          </a:p>
+        </p:txBody>
+      </p:sp>
+      <p:sp>
+        <p:nvSpPr>
+          <p:cNvPr id="3" name="TextBox 2">
+            <a:extLst>
+              <a:ext uri="{FF2B5EF4-FFF2-40B4-BE49-F238E27FC236}">
+                <a16:creationId xmlns:a16="http://schemas.microsoft.com/office/drawing/2014/main" id="{31902000-5FA3-8F66-E689-5586FC59FB1F}"/>
+              </a:ext>
+            </a:extLst>
+          </p:cNvPr>
+          <p:cNvSpPr txBox="1"/>
+          <p:nvPr/>
+        </p:nvSpPr>
+        <p:spPr>
+          <a:xfrm>
+            <a:off x="1124262" y="1798820"/>
+            <a:ext cx="9458794" cy="3987383"/>
+          </a:xfrm>
+          <a:prstGeom prst="rect">
+            <a:avLst/>
+          </a:prstGeom>
+        </p:spPr>
+        <p:txBody>
+          <a:bodyPr vert="horz" wrap="square" lIns="91440" tIns="45720" rIns="91440" bIns="45720" rtlCol="0">
+            <a:noAutofit/>
+          </a:bodyPr>
+          <a:lstStyle/>
+          <a:p>
+            <a:pPr marL="0" indent="0" algn="l">
+              <a:lnSpc>
+                <a:spcPts val="1800"/>
+              </a:lnSpc>
+              <a:spcAft>
+                <a:spcPts val="600"/>
+              </a:spcAft>
+              <a:buNone/>
+            </a:pPr>
+            <a:endParaRPr lang="en-IN" dirty="0">
+              <a:solidFill>
+                <a:prstClr val="black">
+                  <a:lumMod val="75000"/>
+                  <a:lumOff val="25000"/>
+                </a:prstClr>
+              </a:solidFill>
+              <a:latin typeface="Times New Roman" panose="02020603050405020304" pitchFamily="18" charset="0"/>
+              <a:cs typeface="Times New Roman" panose="02020603050405020304" pitchFamily="18" charset="0"/>
+            </a:endParaRPr>
+          </a:p>
+        </p:txBody>
+      </p:sp>
+      <p:sp>
+        <p:nvSpPr>
+          <p:cNvPr id="5" name="TextBox 4">
+            <a:extLst>
+              <a:ext uri="{FF2B5EF4-FFF2-40B4-BE49-F238E27FC236}">
+                <a16:creationId xmlns:a16="http://schemas.microsoft.com/office/drawing/2014/main" id="{9034E943-EA06-7999-4521-8DB11CCC709D}"/>
+              </a:ext>
+            </a:extLst>
+          </p:cNvPr>
+          <p:cNvSpPr txBox="1"/>
+          <p:nvPr/>
+        </p:nvSpPr>
+        <p:spPr>
+          <a:xfrm>
+            <a:off x="739344" y="1565914"/>
+            <a:ext cx="10848221" cy="923330"/>
+          </a:xfrm>
+          <a:prstGeom prst="rect">
+            <a:avLst/>
+          </a:prstGeom>
+          <a:noFill/>
+        </p:spPr>
+        <p:txBody>
+          <a:bodyPr wrap="square">
+            <a:spAutoFit/>
+          </a:bodyPr>
+          <a:lstStyle/>
+          <a:p>
+            <a:pPr algn="just"/>
+            <a:r>
+              <a:rPr lang="en-IN" dirty="0">
+                <a:latin typeface="Times New Roman" panose="02020603050405020304" pitchFamily="18" charset="0"/>
+                <a:cs typeface="Times New Roman" panose="02020603050405020304" pitchFamily="18" charset="0"/>
+              </a:rPr>
+              <a:t>The Log File Analysis &amp; Reporting System has been successfully developed and implemented, achieving all primary objectives outlined in the project specification. The system demonstrates a comprehensive understanding of data engineering principles, database design, and software architecture.</a:t>
+            </a:r>
+          </a:p>
+        </p:txBody>
+      </p:sp>
+      <p:sp>
+        <p:nvSpPr>
+          <p:cNvPr id="6" name="TextBox 5">
+            <a:extLst>
+              <a:ext uri="{FF2B5EF4-FFF2-40B4-BE49-F238E27FC236}">
+                <a16:creationId xmlns:a16="http://schemas.microsoft.com/office/drawing/2014/main" id="{ECCBDB1C-F70C-EF33-B876-07EAF586B5F6}"/>
+              </a:ext>
+            </a:extLst>
+          </p:cNvPr>
+          <p:cNvSpPr txBox="1"/>
+          <p:nvPr/>
+        </p:nvSpPr>
+        <p:spPr>
+          <a:xfrm>
+            <a:off x="739344" y="3429000"/>
+            <a:ext cx="6093500" cy="2585323"/>
+          </a:xfrm>
+          <a:prstGeom prst="rect">
+            <a:avLst/>
+          </a:prstGeom>
+          <a:noFill/>
+        </p:spPr>
+        <p:txBody>
+          <a:bodyPr wrap="square">
+            <a:spAutoFit/>
+          </a:bodyPr>
+          <a:lstStyle/>
+          <a:p>
+            <a:pPr marL="285750" indent="-285750">
+              <a:buFont typeface="Arial" panose="020B0604020202020204" pitchFamily="34" charset="0"/>
+              <a:buChar char="•"/>
+            </a:pPr>
+            <a:r>
+              <a:rPr lang="en-IN" sz="1800" dirty="0">
+                <a:effectLst/>
+                <a:latin typeface="Times New Roman" panose="02020603050405020304" pitchFamily="18" charset="0"/>
+                <a:ea typeface="Calibri" panose="020F0502020204030204" pitchFamily="34" charset="0"/>
+                <a:cs typeface="Times New Roman" panose="02020603050405020304" pitchFamily="18" charset="0"/>
+              </a:rPr>
+              <a:t>Robust Parsing Engine</a:t>
+            </a:r>
+          </a:p>
+          <a:p>
+            <a:pPr marL="285750" indent="-285750">
+              <a:buFont typeface="Arial" panose="020B0604020202020204" pitchFamily="34" charset="0"/>
+              <a:buChar char="•"/>
+            </a:pPr>
+            <a:endParaRPr lang="en-IN" dirty="0">
+              <a:latin typeface="Times New Roman" panose="02020603050405020304" pitchFamily="18" charset="0"/>
+              <a:ea typeface="Calibri" panose="020F0502020204030204" pitchFamily="34" charset="0"/>
+              <a:cs typeface="Times New Roman" panose="02020603050405020304" pitchFamily="18" charset="0"/>
+            </a:endParaRPr>
+          </a:p>
+          <a:p>
+            <a:pPr marL="285750" indent="-285750">
+              <a:buFont typeface="Arial" panose="020B0604020202020204" pitchFamily="34" charset="0"/>
+              <a:buChar char="•"/>
+            </a:pPr>
+            <a:r>
+              <a:rPr lang="en-IN" dirty="0">
+                <a:latin typeface="Times New Roman" panose="02020603050405020304" pitchFamily="18" charset="0"/>
+                <a:cs typeface="Times New Roman" panose="02020603050405020304" pitchFamily="18" charset="0"/>
+              </a:rPr>
+              <a:t>Optimized Database Design</a:t>
+            </a:r>
+            <a:br>
+              <a:rPr lang="en-IN" dirty="0">
+                <a:latin typeface="Times New Roman" panose="02020603050405020304" pitchFamily="18" charset="0"/>
+                <a:cs typeface="Times New Roman" panose="02020603050405020304" pitchFamily="18" charset="0"/>
+              </a:rPr>
+            </a:br>
+            <a:endParaRPr lang="en-IN" dirty="0">
+              <a:latin typeface="Times New Roman" panose="02020603050405020304" pitchFamily="18" charset="0"/>
+              <a:cs typeface="Times New Roman" panose="02020603050405020304" pitchFamily="18" charset="0"/>
+            </a:endParaRPr>
+          </a:p>
+          <a:p>
+            <a:pPr marL="285750" indent="-285750">
+              <a:buFont typeface="Arial" panose="020B0604020202020204" pitchFamily="34" charset="0"/>
+              <a:buChar char="•"/>
+            </a:pPr>
+            <a:r>
+              <a:rPr lang="en-IN" dirty="0">
+                <a:latin typeface="Times New Roman" panose="02020603050405020304" pitchFamily="18" charset="0"/>
+                <a:cs typeface="Times New Roman" panose="02020603050405020304" pitchFamily="18" charset="0"/>
+              </a:rPr>
+              <a:t>Performance Optimization</a:t>
+            </a:r>
+          </a:p>
+          <a:p>
+            <a:pPr marL="285750" indent="-285750">
+              <a:buFont typeface="Arial" panose="020B0604020202020204" pitchFamily="34" charset="0"/>
+              <a:buChar char="•"/>
+            </a:pPr>
+            <a:endParaRPr lang="en-IN" dirty="0">
+              <a:latin typeface="Times New Roman" panose="02020603050405020304" pitchFamily="18" charset="0"/>
+              <a:cs typeface="Times New Roman" panose="02020603050405020304" pitchFamily="18" charset="0"/>
+            </a:endParaRPr>
+          </a:p>
+          <a:p>
+            <a:pPr marL="285750" indent="-285750">
+              <a:buFont typeface="Arial" panose="020B0604020202020204" pitchFamily="34" charset="0"/>
+              <a:buChar char="•"/>
+            </a:pPr>
+            <a:r>
+              <a:rPr lang="en-IN" dirty="0">
+                <a:latin typeface="Times New Roman" panose="02020603050405020304" pitchFamily="18" charset="0"/>
+                <a:cs typeface="Times New Roman" panose="02020603050405020304" pitchFamily="18" charset="0"/>
+              </a:rPr>
+              <a:t>Data Integrity</a:t>
+            </a:r>
+          </a:p>
+          <a:p>
+            <a:pPr marL="285750" indent="-285750">
+              <a:buFont typeface="Arial" panose="020B0604020202020204" pitchFamily="34" charset="0"/>
+              <a:buChar char="•"/>
+            </a:pPr>
+            <a:endParaRPr lang="en-IN" dirty="0">
+              <a:latin typeface="Times New Roman" panose="02020603050405020304" pitchFamily="18" charset="0"/>
+              <a:cs typeface="Times New Roman" panose="02020603050405020304" pitchFamily="18" charset="0"/>
+            </a:endParaRPr>
+          </a:p>
+          <a:p>
+            <a:pPr marL="285750" indent="-285750">
+              <a:buFont typeface="Arial" panose="020B0604020202020204" pitchFamily="34" charset="0"/>
+              <a:buChar char="•"/>
+            </a:pPr>
+            <a:r>
+              <a:rPr lang="en-IN" dirty="0">
+                <a:latin typeface="Times New Roman" panose="02020603050405020304" pitchFamily="18" charset="0"/>
+                <a:cs typeface="Times New Roman" panose="02020603050405020304" pitchFamily="18" charset="0"/>
+              </a:rPr>
+              <a:t>Scalability</a:t>
+            </a:r>
+          </a:p>
+        </p:txBody>
+      </p:sp>
+      <p:sp>
+        <p:nvSpPr>
+          <p:cNvPr id="8" name="TextBox 7">
+            <a:extLst>
+              <a:ext uri="{FF2B5EF4-FFF2-40B4-BE49-F238E27FC236}">
+                <a16:creationId xmlns:a16="http://schemas.microsoft.com/office/drawing/2014/main" id="{DF920291-6D20-0BAA-C777-9F3E117B828D}"/>
+              </a:ext>
+            </a:extLst>
+          </p:cNvPr>
+          <p:cNvSpPr txBox="1"/>
+          <p:nvPr/>
+        </p:nvSpPr>
+        <p:spPr>
+          <a:xfrm>
+            <a:off x="739344" y="2858767"/>
+            <a:ext cx="6093500" cy="390684"/>
+          </a:xfrm>
+          <a:prstGeom prst="rect">
+            <a:avLst/>
+          </a:prstGeom>
+          <a:noFill/>
+        </p:spPr>
+        <p:txBody>
+          <a:bodyPr wrap="square">
+            <a:spAutoFit/>
+          </a:bodyPr>
+          <a:lstStyle/>
+          <a:p>
+            <a:pPr marL="0" marR="0">
+              <a:lnSpc>
+                <a:spcPct val="115000"/>
+              </a:lnSpc>
+              <a:spcAft>
+                <a:spcPts val="800"/>
+              </a:spcAft>
+            </a:pPr>
+            <a:r>
+              <a:rPr lang="en-IN" sz="1800" b="1" kern="100" dirty="0">
+                <a:effectLst/>
+                <a:latin typeface="Times New Roman" panose="02020603050405020304" pitchFamily="18" charset="0"/>
+                <a:ea typeface="Calibri" panose="020F0502020204030204" pitchFamily="34" charset="0"/>
+                <a:cs typeface="Times New Roman" panose="02020603050405020304" pitchFamily="18" charset="0"/>
+              </a:rPr>
+              <a:t>Key Achievements:</a:t>
+            </a:r>
+            <a:endParaRPr lang="en-IN" sz="1800" kern="100" dirty="0">
+              <a:effectLst/>
+              <a:latin typeface="Calibri" panose="020F0502020204030204" pitchFamily="34" charset="0"/>
+              <a:ea typeface="Calibri" panose="020F0502020204030204" pitchFamily="34" charset="0"/>
+              <a:cs typeface="Times New Roman" panose="02020603050405020304" pitchFamily="18" charset="0"/>
+            </a:endParaRPr>
+          </a:p>
+        </p:txBody>
+      </p:sp>
+    </p:spTree>
+    <p:extLst>
+      <p:ext uri="{BB962C8B-B14F-4D97-AF65-F5344CB8AC3E}">
+        <p14:creationId xmlns:p14="http://schemas.microsoft.com/office/powerpoint/2010/main" val="3136490425"/>
+      </p:ext>
+    </p:extLst>
+  </p:cSld>
+  <p:clrMapOvr>
+    <a:masterClrMapping/>
+  </p:clrMapOvr>
+</p:sld>
+</file>
+
+<file path=ppt/slides/slide15.xml><?xml version="1.0" encoding="utf-8"?>
+<p:sld xmlns:a="http://schemas.openxmlformats.org/drawingml/2006/main" xmlns:r="http://schemas.openxmlformats.org/officeDocument/2006/relationships" xmlns:p="http://schemas.openxmlformats.org/presentationml/2006/main">
+  <p:cSld>
+    <p:spTree>
+      <p:nvGrpSpPr>
+        <p:cNvPr id="1" name=""/>
+        <p:cNvGrpSpPr/>
+        <p:nvPr/>
+      </p:nvGrpSpPr>
+      <p:grpSpPr>
+        <a:xfrm>
+          <a:off x="0" y="0"/>
+          <a:ext cx="0" cy="0"/>
+          <a:chOff x="0" y="0"/>
+          <a:chExt cx="0" cy="0"/>
+        </a:xfrm>
+      </p:grpSpPr>
+      <p:sp>
+        <p:nvSpPr>
+          <p:cNvPr id="2" name="Title 1">
+            <a:extLst>
+              <a:ext uri="{FF2B5EF4-FFF2-40B4-BE49-F238E27FC236}">
                 <a16:creationId xmlns:a16="http://schemas.microsoft.com/office/drawing/2014/main" id="{512D6701-5E66-678B-7DC9-914114642304}"/>
               </a:ext>
             </a:extLst>
@@ -4703,7 +5020,7 @@
 </p:sld>
 </file>
 
-<file path=ppt/slides/slide15.xml><?xml version="1.0" encoding="utf-8"?>
+<file path=ppt/slides/slide16.xml><?xml version="1.0" encoding="utf-8"?>
 <p:sld xmlns:a="http://schemas.openxmlformats.org/drawingml/2006/main" xmlns:r="http://schemas.openxmlformats.org/officeDocument/2006/relationships" xmlns:p="http://schemas.openxmlformats.org/presentationml/2006/main">
   <p:cSld>
     <p:spTree>

--- a/Log File AnalysisReporting System_ppt.pptx
+++ b/Log File AnalysisReporting System_ppt.pptx
@@ -174,10 +174,25 @@
   <pc:docChgLst>
     <pc:chgData name="madhu pothu" userId="68ec6b46ea061ca9" providerId="LiveId" clId="{A54773D2-8EA2-4914-9E3A-2F3E50387578}"/>
     <pc:docChg chg="undo custSel addSld modSld modSection">
-      <pc:chgData name="madhu pothu" userId="68ec6b46ea061ca9" providerId="LiveId" clId="{A54773D2-8EA2-4914-9E3A-2F3E50387578}" dt="2025-08-03T14:35:47.592" v="43" actId="1036"/>
+      <pc:chgData name="madhu pothu" userId="68ec6b46ea061ca9" providerId="LiveId" clId="{A54773D2-8EA2-4914-9E3A-2F3E50387578}" dt="2025-08-03T17:19:17.298" v="45" actId="20577"/>
       <pc:docMkLst>
         <pc:docMk/>
       </pc:docMkLst>
+      <pc:sldChg chg="modSp mod">
+        <pc:chgData name="madhu pothu" userId="68ec6b46ea061ca9" providerId="LiveId" clId="{A54773D2-8EA2-4914-9E3A-2F3E50387578}" dt="2025-08-03T17:19:17.298" v="45" actId="20577"/>
+        <pc:sldMkLst>
+          <pc:docMk/>
+          <pc:sldMk cId="2355005898" sldId="288"/>
+        </pc:sldMkLst>
+        <pc:spChg chg="mod">
+          <ac:chgData name="madhu pothu" userId="68ec6b46ea061ca9" providerId="LiveId" clId="{A54773D2-8EA2-4914-9E3A-2F3E50387578}" dt="2025-08-03T17:19:17.298" v="45" actId="20577"/>
+          <ac:spMkLst>
+            <pc:docMk/>
+            <pc:sldMk cId="2355005898" sldId="288"/>
+            <ac:spMk id="3" creationId="{034655F4-B1E4-0931-92BF-E9D73E228E68}"/>
+          </ac:spMkLst>
+        </pc:spChg>
+      </pc:sldChg>
       <pc:sldChg chg="addSp delSp modSp mod">
         <pc:chgData name="madhu pothu" userId="68ec6b46ea061ca9" providerId="LiveId" clId="{A54773D2-8EA2-4914-9E3A-2F3E50387578}" dt="2025-08-03T13:33:17.174" v="37" actId="6549"/>
         <pc:sldMkLst>
@@ -7649,11 +7664,18 @@
           <a:lstStyle/>
           <a:p>
             <a:r>
+              <a:rPr lang="en-US" b="1">
+                <a:latin typeface="Times New Roman" panose="02020603050405020304" pitchFamily="18" charset="0"/>
+                <a:cs typeface="Times New Roman" panose="02020603050405020304" pitchFamily="18" charset="0"/>
+              </a:rPr>
+              <a:t>ELT </a:t>
+            </a:r>
+            <a:r>
               <a:rPr lang="en-US" b="1" dirty="0">
                 <a:latin typeface="Times New Roman" panose="02020603050405020304" pitchFamily="18" charset="0"/>
                 <a:cs typeface="Times New Roman" panose="02020603050405020304" pitchFamily="18" charset="0"/>
               </a:rPr>
-              <a:t>ETL Pipeline Implementation</a:t>
+              <a:t>Pipeline Implementation</a:t>
             </a:r>
           </a:p>
           <a:p>
